--- a/Lectures/Lecture 9/Lecture 9.pptx
+++ b/Lectures/Lecture 9/Lecture 9.pptx
@@ -226,7 +226,7 @@
           <a:p>
             <a:fld id="{467FE51A-BC06-4E6F-B1DA-B477364E598F}" type="datetimeFigureOut">
               <a:rPr lang="en-US" smtClean="0"/>
-              <a:t>1/30/2020</a:t>
+              <a:t>1/31/2020</a:t>
             </a:fld>
             <a:endParaRPr lang="en-US"/>
           </a:p>
@@ -640,7 +640,7 @@
           <a:p>
             <a:fld id="{11C4ABE2-2F1A-4C31-A43A-C3E7CE49CE95}" type="datetimeFigureOut">
               <a:rPr lang="en-US" smtClean="0"/>
-              <a:t>1/30/2020</a:t>
+              <a:t>1/31/2020</a:t>
             </a:fld>
             <a:endParaRPr lang="en-US"/>
           </a:p>
@@ -838,7 +838,7 @@
           <a:p>
             <a:fld id="{11C4ABE2-2F1A-4C31-A43A-C3E7CE49CE95}" type="datetimeFigureOut">
               <a:rPr lang="en-US" smtClean="0"/>
-              <a:t>1/30/2020</a:t>
+              <a:t>1/31/2020</a:t>
             </a:fld>
             <a:endParaRPr lang="en-US"/>
           </a:p>
@@ -1046,7 +1046,7 @@
           <a:p>
             <a:fld id="{11C4ABE2-2F1A-4C31-A43A-C3E7CE49CE95}" type="datetimeFigureOut">
               <a:rPr lang="en-US" smtClean="0"/>
-              <a:t>1/30/2020</a:t>
+              <a:t>1/31/2020</a:t>
             </a:fld>
             <a:endParaRPr lang="en-US"/>
           </a:p>
@@ -1244,7 +1244,7 @@
           <a:p>
             <a:fld id="{11C4ABE2-2F1A-4C31-A43A-C3E7CE49CE95}" type="datetimeFigureOut">
               <a:rPr lang="en-US" smtClean="0"/>
-              <a:t>1/30/2020</a:t>
+              <a:t>1/31/2020</a:t>
             </a:fld>
             <a:endParaRPr lang="en-US"/>
           </a:p>
@@ -1519,7 +1519,7 @@
           <a:p>
             <a:fld id="{11C4ABE2-2F1A-4C31-A43A-C3E7CE49CE95}" type="datetimeFigureOut">
               <a:rPr lang="en-US" smtClean="0"/>
-              <a:t>1/30/2020</a:t>
+              <a:t>1/31/2020</a:t>
             </a:fld>
             <a:endParaRPr lang="en-US"/>
           </a:p>
@@ -1784,7 +1784,7 @@
           <a:p>
             <a:fld id="{11C4ABE2-2F1A-4C31-A43A-C3E7CE49CE95}" type="datetimeFigureOut">
               <a:rPr lang="en-US" smtClean="0"/>
-              <a:t>1/30/2020</a:t>
+              <a:t>1/31/2020</a:t>
             </a:fld>
             <a:endParaRPr lang="en-US"/>
           </a:p>
@@ -2196,7 +2196,7 @@
           <a:p>
             <a:fld id="{11C4ABE2-2F1A-4C31-A43A-C3E7CE49CE95}" type="datetimeFigureOut">
               <a:rPr lang="en-US" smtClean="0"/>
-              <a:t>1/30/2020</a:t>
+              <a:t>1/31/2020</a:t>
             </a:fld>
             <a:endParaRPr lang="en-US"/>
           </a:p>
@@ -2337,7 +2337,7 @@
           <a:p>
             <a:fld id="{11C4ABE2-2F1A-4C31-A43A-C3E7CE49CE95}" type="datetimeFigureOut">
               <a:rPr lang="en-US" smtClean="0"/>
-              <a:t>1/30/2020</a:t>
+              <a:t>1/31/2020</a:t>
             </a:fld>
             <a:endParaRPr lang="en-US"/>
           </a:p>
@@ -2450,7 +2450,7 @@
           <a:p>
             <a:fld id="{11C4ABE2-2F1A-4C31-A43A-C3E7CE49CE95}" type="datetimeFigureOut">
               <a:rPr lang="en-US" smtClean="0"/>
-              <a:t>1/30/2020</a:t>
+              <a:t>1/31/2020</a:t>
             </a:fld>
             <a:endParaRPr lang="en-US"/>
           </a:p>
@@ -2761,7 +2761,7 @@
           <a:p>
             <a:fld id="{11C4ABE2-2F1A-4C31-A43A-C3E7CE49CE95}" type="datetimeFigureOut">
               <a:rPr lang="en-US" smtClean="0"/>
-              <a:t>1/30/2020</a:t>
+              <a:t>1/31/2020</a:t>
             </a:fld>
             <a:endParaRPr lang="en-US"/>
           </a:p>
@@ -3049,7 +3049,7 @@
           <a:p>
             <a:fld id="{11C4ABE2-2F1A-4C31-A43A-C3E7CE49CE95}" type="datetimeFigureOut">
               <a:rPr lang="en-US" smtClean="0"/>
-              <a:t>1/30/2020</a:t>
+              <a:t>1/31/2020</a:t>
             </a:fld>
             <a:endParaRPr lang="en-US"/>
           </a:p>
@@ -3290,7 +3290,7 @@
           <a:p>
             <a:fld id="{11C4ABE2-2F1A-4C31-A43A-C3E7CE49CE95}" type="datetimeFigureOut">
               <a:rPr lang="en-US" smtClean="0"/>
-              <a:t>1/30/2020</a:t>
+              <a:t>1/31/2020</a:t>
             </a:fld>
             <a:endParaRPr lang="en-US"/>
           </a:p>
@@ -8844,8 +8844,8 @@
           </a:p>
         </p:txBody>
       </p:sp>
-      <mc:AlternateContent xmlns:mc="http://schemas.openxmlformats.org/markup-compatibility/2006">
-        <mc:Choice xmlns:a14="http://schemas.microsoft.com/office/drawing/2010/main" Requires="a14">
+      <mc:AlternateContent xmlns:mc="http://schemas.openxmlformats.org/markup-compatibility/2006" xmlns:a14="http://schemas.microsoft.com/office/drawing/2010/main">
+        <mc:Choice Requires="a14">
           <p:sp>
             <p:nvSpPr>
               <p:cNvPr id="36" name="TextBox 35">
@@ -8861,7 +8861,7 @@
             <p:spPr>
               <a:xfrm>
                 <a:off x="773934" y="1937211"/>
-                <a:ext cx="9437994" cy="2579232"/>
+                <a:ext cx="9437994" cy="3194785"/>
               </a:xfrm>
               <a:prstGeom prst="rect">
                 <a:avLst/>
@@ -8873,6 +8873,66 @@
                 <a:spAutoFit/>
               </a:bodyPr>
               <a:lstStyle/>
+              <a:p>
+                <a:pPr marL="285750" indent="-285750">
+                  <a:buFont typeface="Arial" panose="020B0604020202020204" pitchFamily="34" charset="0"/>
+                  <a:buChar char="•"/>
+                </a:pPr>
+                <a:r>
+                  <a:rPr lang="en-US" sz="2000" dirty="0">
+                    <a:solidFill>
+                      <a:srgbClr val="404040"/>
+                    </a:solidFill>
+                    <a:latin typeface="Corbel" panose="020B0503020204020204" pitchFamily="34" charset="0"/>
+                  </a:rPr>
+                  <a:t>Download </a:t>
+                </a:r>
+                <a:r>
+                  <a:rPr lang="en-US" sz="2000" dirty="0">
+                    <a:solidFill>
+                      <a:srgbClr val="A71B86"/>
+                    </a:solidFill>
+                    <a:latin typeface="Corbel" panose="020B0503020204020204" pitchFamily="34" charset="0"/>
+                  </a:rPr>
+                  <a:t>Mills.xlsx </a:t>
+                </a:r>
+                <a:r>
+                  <a:rPr lang="en-US" sz="2000" dirty="0">
+                    <a:solidFill>
+                      <a:srgbClr val="404040"/>
+                    </a:solidFill>
+                    <a:latin typeface="Corbel" panose="020B0503020204020204" pitchFamily="34" charset="0"/>
+                  </a:rPr>
+                  <a:t>from course website from link </a:t>
+                </a:r>
+                <a:r>
+                  <a:rPr lang="en-US" sz="2000" dirty="0">
+                    <a:solidFill>
+                      <a:srgbClr val="A71B86"/>
+                    </a:solidFill>
+                    <a:latin typeface="Corbel" panose="020B0503020204020204" pitchFamily="34" charset="0"/>
+                  </a:rPr>
+                  <a:t>Sheet 3</a:t>
+                </a:r>
+                <a:endParaRPr lang="en-US" sz="2000" dirty="0">
+                  <a:solidFill>
+                    <a:srgbClr val="404040"/>
+                  </a:solidFill>
+                  <a:latin typeface="Corbel" panose="020B0503020204020204" pitchFamily="34" charset="0"/>
+                </a:endParaRPr>
+              </a:p>
+              <a:p>
+                <a:pPr marL="285750" indent="-285750">
+                  <a:buFont typeface="Arial" panose="020B0604020202020204" pitchFamily="34" charset="0"/>
+                  <a:buChar char="•"/>
+                </a:pPr>
+                <a:endParaRPr lang="en-US" sz="2000" dirty="0">
+                  <a:solidFill>
+                    <a:srgbClr val="404040"/>
+                  </a:solidFill>
+                  <a:latin typeface="Corbel" panose="020B0503020204020204" pitchFamily="34" charset="0"/>
+                </a:endParaRPr>
+              </a:p>
               <a:p>
                 <a:pPr marL="285750" indent="-285750">
                   <a:buFont typeface="Arial" panose="020B0604020202020204" pitchFamily="34" charset="0"/>
@@ -9388,7 +9448,7 @@
             </p:txBody>
           </p:sp>
         </mc:Choice>
-        <mc:Fallback>
+        <mc:Fallback xmlns="">
           <p:sp>
             <p:nvSpPr>
               <p:cNvPr id="36" name="TextBox 35">
@@ -9406,7 +9466,7 @@
             <p:spPr>
               <a:xfrm>
                 <a:off x="773934" y="1937211"/>
-                <a:ext cx="9437994" cy="2579232"/>
+                <a:ext cx="9437994" cy="3194785"/>
               </a:xfrm>
               <a:prstGeom prst="rect">
                 <a:avLst/>
@@ -9414,7 +9474,7 @@
               <a:blipFill>
                 <a:blip r:embed="rId4"/>
                 <a:stretch>
-                  <a:fillRect l="-581" t="-1418" b="-3310"/>
+                  <a:fillRect l="-581" t="-1145" b="-2481"/>
                 </a:stretch>
               </a:blipFill>
             </p:spPr>
@@ -9566,7 +9626,7 @@
             </p:nvSpPr>
             <p:spPr>
               <a:xfrm>
-                <a:off x="1091865" y="4521582"/>
+                <a:off x="1091865" y="5076497"/>
                 <a:ext cx="8657320" cy="400110"/>
               </a:xfrm>
               <a:prstGeom prst="rect">
@@ -10091,7 +10151,7 @@
             </p:nvSpPr>
             <p:spPr>
               <a:xfrm>
-                <a:off x="1091865" y="4521582"/>
+                <a:off x="1091865" y="5076497"/>
                 <a:ext cx="8657320" cy="400110"/>
               </a:xfrm>
               <a:prstGeom prst="rect">
@@ -11179,8 +11239,8 @@
           </a:prstGeom>
         </p:spPr>
       </p:pic>
-      <mc:AlternateContent xmlns:mc="http://schemas.openxmlformats.org/markup-compatibility/2006">
-        <mc:Choice xmlns:a14="http://schemas.microsoft.com/office/drawing/2010/main" Requires="a14">
+      <mc:AlternateContent xmlns:mc="http://schemas.openxmlformats.org/markup-compatibility/2006" xmlns:a14="http://schemas.microsoft.com/office/drawing/2010/main">
+        <mc:Choice Requires="a14">
           <p:sp>
             <p:nvSpPr>
               <p:cNvPr id="3" name="Rectangle 2">
@@ -12505,7 +12565,7 @@
             </p:txBody>
           </p:sp>
         </mc:Choice>
-        <mc:Fallback>
+        <mc:Fallback xmlns="">
           <p:sp>
             <p:nvSpPr>
               <p:cNvPr id="3" name="Rectangle 2">
@@ -13362,8 +13422,8 @@
           </a:p>
         </p:txBody>
       </p:sp>
-      <mc:AlternateContent xmlns:mc="http://schemas.openxmlformats.org/markup-compatibility/2006">
-        <mc:Choice xmlns:a14="http://schemas.microsoft.com/office/drawing/2010/main" Requires="a14">
+      <mc:AlternateContent xmlns:mc="http://schemas.openxmlformats.org/markup-compatibility/2006" xmlns:a14="http://schemas.microsoft.com/office/drawing/2010/main">
+        <mc:Choice Requires="a14">
           <p:sp>
             <p:nvSpPr>
               <p:cNvPr id="36" name="TextBox 35">
@@ -13777,7 +13837,7 @@
             </p:txBody>
           </p:sp>
         </mc:Choice>
-        <mc:Fallback>
+        <mc:Fallback xmlns="">
           <p:sp>
             <p:nvSpPr>
               <p:cNvPr id="36" name="TextBox 35">
@@ -15044,8 +15104,8 @@
           </a:prstGeom>
         </p:spPr>
       </p:pic>
-      <mc:AlternateContent xmlns:mc="http://schemas.openxmlformats.org/markup-compatibility/2006">
-        <mc:Choice xmlns:a14="http://schemas.microsoft.com/office/drawing/2010/main" Requires="a14">
+      <mc:AlternateContent xmlns:mc="http://schemas.openxmlformats.org/markup-compatibility/2006" xmlns:a14="http://schemas.microsoft.com/office/drawing/2010/main">
+        <mc:Choice Requires="a14">
           <p:sp>
             <p:nvSpPr>
               <p:cNvPr id="3" name="Rectangle 2">
@@ -16352,7 +16412,7 @@
             </p:txBody>
           </p:sp>
         </mc:Choice>
-        <mc:Fallback>
+        <mc:Fallback xmlns="">
           <p:sp>
             <p:nvSpPr>
               <p:cNvPr id="3" name="Rectangle 2">
@@ -17475,8 +17535,8 @@
           </a:prstGeom>
         </p:spPr>
       </p:pic>
-      <mc:AlternateContent xmlns:mc="http://schemas.openxmlformats.org/markup-compatibility/2006">
-        <mc:Choice xmlns:a14="http://schemas.microsoft.com/office/drawing/2010/main" Requires="a14">
+      <mc:AlternateContent xmlns:mc="http://schemas.openxmlformats.org/markup-compatibility/2006" xmlns:a14="http://schemas.microsoft.com/office/drawing/2010/main">
+        <mc:Choice Requires="a14">
           <p:sp>
             <p:nvSpPr>
               <p:cNvPr id="3" name="Rectangle 2">
@@ -19116,7 +19176,7 @@
             </p:txBody>
           </p:sp>
         </mc:Choice>
-        <mc:Fallback>
+        <mc:Fallback xmlns="">
           <p:sp>
             <p:nvSpPr>
               <p:cNvPr id="3" name="Rectangle 2">
@@ -22946,8 +23006,8 @@
           </a:p>
         </p:txBody>
       </p:sp>
-      <mc:AlternateContent xmlns:mc="http://schemas.openxmlformats.org/markup-compatibility/2006">
-        <mc:Choice xmlns:a14="http://schemas.microsoft.com/office/drawing/2010/main" Requires="a14">
+      <mc:AlternateContent xmlns:mc="http://schemas.openxmlformats.org/markup-compatibility/2006" xmlns:a14="http://schemas.microsoft.com/office/drawing/2010/main">
+        <mc:Choice Requires="a14">
           <p:sp>
             <p:nvSpPr>
               <p:cNvPr id="36" name="TextBox 35">
@@ -23984,7 +24044,7 @@
             </p:txBody>
           </p:sp>
         </mc:Choice>
-        <mc:Fallback>
+        <mc:Fallback xmlns="">
           <p:sp>
             <p:nvSpPr>
               <p:cNvPr id="36" name="TextBox 35">
@@ -25114,7 +25174,7 @@
                 </a:solidFill>
                 <a:latin typeface="Corbel" panose="020B0503020204020204" pitchFamily="34" charset="0"/>
               </a:rPr>
-              <a:t>MachineShop.xlsx </a:t>
+              <a:t>CapitalBudgeting.xlsx </a:t>
             </a:r>
             <a:r>
               <a:rPr lang="en-US" sz="2000" dirty="0">
@@ -25278,8 +25338,8 @@
           </a:prstGeom>
         </p:spPr>
       </p:pic>
-      <mc:AlternateContent xmlns:mc="http://schemas.openxmlformats.org/markup-compatibility/2006">
-        <mc:Choice xmlns:a14="http://schemas.microsoft.com/office/drawing/2010/main" Requires="a14">
+      <mc:AlternateContent xmlns:mc="http://schemas.openxmlformats.org/markup-compatibility/2006" xmlns:a14="http://schemas.microsoft.com/office/drawing/2010/main">
+        <mc:Choice Requires="a14">
           <p:sp>
             <p:nvSpPr>
               <p:cNvPr id="23" name="TextBox 22">
@@ -26093,25 +26153,7 @@
                         </a:solidFill>
                         <a:latin typeface="Cambria Math" panose="02040503050406030204" pitchFamily="18" charset="0"/>
                       </a:rPr>
-                      <m:t>+</m:t>
-                    </m:r>
-                    <m:r>
-                      <a:rPr lang="en-US" sz="2000" i="1">
-                        <a:solidFill>
-                          <a:srgbClr val="404040"/>
-                        </a:solidFill>
-                        <a:latin typeface="Cambria Math" panose="02040503050406030204" pitchFamily="18" charset="0"/>
-                      </a:rPr>
-                      <m:t>3</m:t>
-                    </m:r>
-                    <m:r>
-                      <a:rPr lang="en-US" sz="2000" i="1">
-                        <a:solidFill>
-                          <a:srgbClr val="404040"/>
-                        </a:solidFill>
-                        <a:latin typeface="Cambria Math" panose="02040503050406030204" pitchFamily="18" charset="0"/>
-                      </a:rPr>
-                      <m:t>0</m:t>
+                      <m:t>+30</m:t>
                     </m:r>
                     <m:sSub>
                       <m:sSubPr>
@@ -26286,16 +26328,7 @@
                         </a:solidFill>
                         <a:latin typeface="Cambria Math" panose="02040503050406030204" pitchFamily="18" charset="0"/>
                       </a:rPr>
-                      <m:t>+</m:t>
-                    </m:r>
-                    <m:r>
-                      <a:rPr lang="en-US" sz="2000" i="1">
-                        <a:solidFill>
-                          <a:srgbClr val="404040"/>
-                        </a:solidFill>
-                        <a:latin typeface="Cambria Math" panose="02040503050406030204" pitchFamily="18" charset="0"/>
-                      </a:rPr>
-                      <m:t>3</m:t>
+                      <m:t>+3</m:t>
                     </m:r>
                     <m:r>
                       <a:rPr lang="en-US" sz="2000" b="0" i="1" smtClean="0">
@@ -26700,7 +26733,7 @@
             </p:txBody>
           </p:sp>
         </mc:Choice>
-        <mc:Fallback>
+        <mc:Fallback xmlns="">
           <p:sp>
             <p:nvSpPr>
               <p:cNvPr id="23" name="TextBox 22">
@@ -27554,35 +27587,23 @@
                 </a:solidFill>
                 <a:latin typeface="Corbel" panose="020B0503020204020204" pitchFamily="34" charset="0"/>
               </a:rPr>
-              <a:t>Download </a:t>
+              <a:t>Modifying constraints for binary </a:t>
             </a:r>
             <a:r>
-              <a:rPr lang="en-US" sz="2000" dirty="0">
-                <a:solidFill>
-                  <a:srgbClr val="A71B86"/>
-                </a:solidFill>
-                <a:latin typeface="Corbel" panose="020B0503020204020204" pitchFamily="34" charset="0"/>
-              </a:rPr>
-              <a:t>MachineShop.xlsx </a:t>
-            </a:r>
-            <a:r>
-              <a:rPr lang="en-US" sz="2000" dirty="0">
+              <a:rPr lang="en-US" sz="2000">
                 <a:solidFill>
                   <a:srgbClr val="404040"/>
                 </a:solidFill>
                 <a:latin typeface="Corbel" panose="020B0503020204020204" pitchFamily="34" charset="0"/>
               </a:rPr>
-              <a:t>from course website from link </a:t>
+              <a:t>decision variables</a:t>
             </a:r>
-            <a:r>
-              <a:rPr lang="en-US" sz="2000" dirty="0">
-                <a:solidFill>
-                  <a:srgbClr val="A71B86"/>
-                </a:solidFill>
-                <a:latin typeface="Corbel" panose="020B0503020204020204" pitchFamily="34" charset="0"/>
-              </a:rPr>
-              <a:t>Sheet 1</a:t>
-            </a:r>
+            <a:endParaRPr lang="en-US" sz="2000" dirty="0">
+              <a:solidFill>
+                <a:srgbClr val="A71B86"/>
+              </a:solidFill>
+              <a:latin typeface="Corbel" panose="020B0503020204020204" pitchFamily="34" charset="0"/>
+            </a:endParaRPr>
           </a:p>
           <a:p>
             <a:pPr marL="285750" indent="-285750">
@@ -29691,8 +29712,8 @@
           </a:p>
         </p:txBody>
       </p:sp>
-      <mc:AlternateContent xmlns:mc="http://schemas.openxmlformats.org/markup-compatibility/2006">
-        <mc:Choice xmlns:a14="http://schemas.microsoft.com/office/drawing/2010/main" Requires="a14">
+      <mc:AlternateContent xmlns:mc="http://schemas.openxmlformats.org/markup-compatibility/2006" xmlns:a14="http://schemas.microsoft.com/office/drawing/2010/main">
+        <mc:Choice Requires="a14">
           <p:sp>
             <p:nvSpPr>
               <p:cNvPr id="36" name="TextBox 35">
@@ -30208,7 +30229,7 @@
             </p:txBody>
           </p:sp>
         </mc:Choice>
-        <mc:Fallback>
+        <mc:Fallback xmlns="">
           <p:sp>
             <p:nvSpPr>
               <p:cNvPr id="36" name="TextBox 35">
@@ -30370,8 +30391,8 @@
           </a:prstGeom>
         </p:spPr>
       </p:pic>
-      <mc:AlternateContent xmlns:mc="http://schemas.openxmlformats.org/markup-compatibility/2006">
-        <mc:Choice xmlns:a14="http://schemas.microsoft.com/office/drawing/2010/main" Requires="a14">
+      <mc:AlternateContent xmlns:mc="http://schemas.openxmlformats.org/markup-compatibility/2006" xmlns:a14="http://schemas.microsoft.com/office/drawing/2010/main">
+        <mc:Choice Requires="a14">
           <p:sp>
             <p:nvSpPr>
               <p:cNvPr id="3" name="TextBox 2">
@@ -30635,7 +30656,7 @@
             </p:txBody>
           </p:sp>
         </mc:Choice>
-        <mc:Fallback>
+        <mc:Fallback xmlns="">
           <p:sp>
             <p:nvSpPr>
               <p:cNvPr id="3" name="TextBox 2">
@@ -31824,8 +31845,8 @@
           </a:prstGeom>
         </p:spPr>
       </p:pic>
-      <mc:AlternateContent xmlns:mc="http://schemas.openxmlformats.org/markup-compatibility/2006">
-        <mc:Choice xmlns:a14="http://schemas.microsoft.com/office/drawing/2010/main" Requires="a14">
+      <mc:AlternateContent xmlns:mc="http://schemas.openxmlformats.org/markup-compatibility/2006" xmlns:a14="http://schemas.microsoft.com/office/drawing/2010/main">
+        <mc:Choice Requires="a14">
           <p:sp>
             <p:nvSpPr>
               <p:cNvPr id="3" name="TextBox 2">
@@ -31854,7 +31875,6 @@
               </a:bodyPr>
               <a:lstStyle/>
               <a:p>
-                <a:pPr/>
                 <a14:m>
                   <m:oMath xmlns:m="http://schemas.openxmlformats.org/officeDocument/2006/math">
                     <m:sSub>
@@ -32006,7 +32026,6 @@
                 </a:r>
               </a:p>
               <a:p>
-                <a:pPr/>
                 <a14:m>
                   <m:oMath xmlns:m="http://schemas.openxmlformats.org/officeDocument/2006/math">
                     <m:sSub>
@@ -32115,7 +32134,6 @@
                 </a:r>
               </a:p>
               <a:p>
-                <a:pPr/>
                 <a14:m>
                   <m:oMath xmlns:m="http://schemas.openxmlformats.org/officeDocument/2006/math">
                     <m:sSub>
@@ -32269,7 +32287,7 @@
             </p:txBody>
           </p:sp>
         </mc:Choice>
-        <mc:Fallback>
+        <mc:Fallback xmlns="">
           <p:sp>
             <p:nvSpPr>
               <p:cNvPr id="3" name="TextBox 2">
@@ -33945,7 +33963,7 @@
         </p:nvCxnSpPr>
         <p:spPr>
           <a:xfrm>
-            <a:off x="6559777" y="2596771"/>
+            <a:off x="6895276" y="2597447"/>
             <a:ext cx="1093271" cy="0"/>
           </a:xfrm>
           <a:prstGeom prst="line">

--- a/Lectures/Lecture 9/Lecture 9.pptx
+++ b/Lectures/Lecture 9/Lecture 9.pptx
@@ -226,7 +226,7 @@
           <a:p>
             <a:fld id="{467FE51A-BC06-4E6F-B1DA-B477364E598F}" type="datetimeFigureOut">
               <a:rPr lang="en-US" smtClean="0"/>
-              <a:t>1/31/2020</a:t>
+              <a:t>2/11/2021</a:t>
             </a:fld>
             <a:endParaRPr lang="en-US"/>
           </a:p>
@@ -640,7 +640,7 @@
           <a:p>
             <a:fld id="{11C4ABE2-2F1A-4C31-A43A-C3E7CE49CE95}" type="datetimeFigureOut">
               <a:rPr lang="en-US" smtClean="0"/>
-              <a:t>1/31/2020</a:t>
+              <a:t>2/11/2021</a:t>
             </a:fld>
             <a:endParaRPr lang="en-US"/>
           </a:p>
@@ -838,7 +838,7 @@
           <a:p>
             <a:fld id="{11C4ABE2-2F1A-4C31-A43A-C3E7CE49CE95}" type="datetimeFigureOut">
               <a:rPr lang="en-US" smtClean="0"/>
-              <a:t>1/31/2020</a:t>
+              <a:t>2/11/2021</a:t>
             </a:fld>
             <a:endParaRPr lang="en-US"/>
           </a:p>
@@ -1046,7 +1046,7 @@
           <a:p>
             <a:fld id="{11C4ABE2-2F1A-4C31-A43A-C3E7CE49CE95}" type="datetimeFigureOut">
               <a:rPr lang="en-US" smtClean="0"/>
-              <a:t>1/31/2020</a:t>
+              <a:t>2/11/2021</a:t>
             </a:fld>
             <a:endParaRPr lang="en-US"/>
           </a:p>
@@ -1244,7 +1244,7 @@
           <a:p>
             <a:fld id="{11C4ABE2-2F1A-4C31-A43A-C3E7CE49CE95}" type="datetimeFigureOut">
               <a:rPr lang="en-US" smtClean="0"/>
-              <a:t>1/31/2020</a:t>
+              <a:t>2/11/2021</a:t>
             </a:fld>
             <a:endParaRPr lang="en-US"/>
           </a:p>
@@ -1519,7 +1519,7 @@
           <a:p>
             <a:fld id="{11C4ABE2-2F1A-4C31-A43A-C3E7CE49CE95}" type="datetimeFigureOut">
               <a:rPr lang="en-US" smtClean="0"/>
-              <a:t>1/31/2020</a:t>
+              <a:t>2/11/2021</a:t>
             </a:fld>
             <a:endParaRPr lang="en-US"/>
           </a:p>
@@ -1784,7 +1784,7 @@
           <a:p>
             <a:fld id="{11C4ABE2-2F1A-4C31-A43A-C3E7CE49CE95}" type="datetimeFigureOut">
               <a:rPr lang="en-US" smtClean="0"/>
-              <a:t>1/31/2020</a:t>
+              <a:t>2/11/2021</a:t>
             </a:fld>
             <a:endParaRPr lang="en-US"/>
           </a:p>
@@ -2196,7 +2196,7 @@
           <a:p>
             <a:fld id="{11C4ABE2-2F1A-4C31-A43A-C3E7CE49CE95}" type="datetimeFigureOut">
               <a:rPr lang="en-US" smtClean="0"/>
-              <a:t>1/31/2020</a:t>
+              <a:t>2/11/2021</a:t>
             </a:fld>
             <a:endParaRPr lang="en-US"/>
           </a:p>
@@ -2337,7 +2337,7 @@
           <a:p>
             <a:fld id="{11C4ABE2-2F1A-4C31-A43A-C3E7CE49CE95}" type="datetimeFigureOut">
               <a:rPr lang="en-US" smtClean="0"/>
-              <a:t>1/31/2020</a:t>
+              <a:t>2/11/2021</a:t>
             </a:fld>
             <a:endParaRPr lang="en-US"/>
           </a:p>
@@ -2450,7 +2450,7 @@
           <a:p>
             <a:fld id="{11C4ABE2-2F1A-4C31-A43A-C3E7CE49CE95}" type="datetimeFigureOut">
               <a:rPr lang="en-US" smtClean="0"/>
-              <a:t>1/31/2020</a:t>
+              <a:t>2/11/2021</a:t>
             </a:fld>
             <a:endParaRPr lang="en-US"/>
           </a:p>
@@ -2761,7 +2761,7 @@
           <a:p>
             <a:fld id="{11C4ABE2-2F1A-4C31-A43A-C3E7CE49CE95}" type="datetimeFigureOut">
               <a:rPr lang="en-US" smtClean="0"/>
-              <a:t>1/31/2020</a:t>
+              <a:t>2/11/2021</a:t>
             </a:fld>
             <a:endParaRPr lang="en-US"/>
           </a:p>
@@ -3049,7 +3049,7 @@
           <a:p>
             <a:fld id="{11C4ABE2-2F1A-4C31-A43A-C3E7CE49CE95}" type="datetimeFigureOut">
               <a:rPr lang="en-US" smtClean="0"/>
-              <a:t>1/31/2020</a:t>
+              <a:t>2/11/2021</a:t>
             </a:fld>
             <a:endParaRPr lang="en-US"/>
           </a:p>
@@ -3290,7 +3290,7 @@
           <a:p>
             <a:fld id="{11C4ABE2-2F1A-4C31-A43A-C3E7CE49CE95}" type="datetimeFigureOut">
               <a:rPr lang="en-US" smtClean="0"/>
-              <a:t>1/31/2020</a:t>
+              <a:t>2/11/2021</a:t>
             </a:fld>
             <a:endParaRPr lang="en-US"/>
           </a:p>
@@ -9610,8 +9610,8 @@
           </a:prstGeom>
         </p:spPr>
       </p:pic>
-      <mc:AlternateContent xmlns:mc="http://schemas.openxmlformats.org/markup-compatibility/2006">
-        <mc:Choice xmlns:a14="http://schemas.microsoft.com/office/drawing/2010/main" Requires="a14">
+      <mc:AlternateContent xmlns:mc="http://schemas.openxmlformats.org/markup-compatibility/2006" xmlns:a14="http://schemas.microsoft.com/office/drawing/2010/main">
+        <mc:Choice Requires="a14">
           <p:sp>
             <p:nvSpPr>
               <p:cNvPr id="29" name="TextBox 28">
@@ -10134,7 +10134,7 @@
             </p:txBody>
           </p:sp>
         </mc:Choice>
-        <mc:Fallback>
+        <mc:Fallback xmlns="">
           <p:sp>
             <p:nvSpPr>
               <p:cNvPr id="29" name="TextBox 28">
@@ -20189,7 +20189,25 @@
                 </a:solidFill>
                 <a:latin typeface="Corbel" panose="020B0503020204020204" pitchFamily="34" charset="0"/>
               </a:rPr>
-              <a:t>Q: Why is all the grain from slack going to Cincinnati?</a:t>
+              <a:t>Q: Why is all the grain from the </a:t>
+            </a:r>
+            <a:r>
+              <a:rPr lang="en-US" sz="2000">
+                <a:solidFill>
+                  <a:srgbClr val="404040"/>
+                </a:solidFill>
+                <a:latin typeface="Corbel" panose="020B0503020204020204" pitchFamily="34" charset="0"/>
+              </a:rPr>
+              <a:t>slack variables for </a:t>
+            </a:r>
+            <a:r>
+              <a:rPr lang="en-US" sz="2000" dirty="0">
+                <a:solidFill>
+                  <a:srgbClr val="404040"/>
+                </a:solidFill>
+                <a:latin typeface="Corbel" panose="020B0503020204020204" pitchFamily="34" charset="0"/>
+              </a:rPr>
+              <a:t>Cincinnati?</a:t>
             </a:r>
           </a:p>
         </p:txBody>
@@ -30619,33 +30637,40 @@
                           </m:r>
                         </m:sup>
                         <m:e>
-                          <m:r>
-                            <a:rPr lang="en-US" b="0" i="1" smtClean="0">
-                              <a:solidFill>
-                                <a:srgbClr val="404040"/>
-                              </a:solidFill>
-                              <a:latin typeface="Cambria Math" panose="02040503050406030204" pitchFamily="18" charset="0"/>
-                            </a:rPr>
-                            <m:t>𝑥</m:t>
-                          </m:r>
-                          <m:r>
-                            <a:rPr lang="en-US" b="0" i="1" smtClean="0">
-                              <a:solidFill>
-                                <a:srgbClr val="404040"/>
-                              </a:solidFill>
-                              <a:latin typeface="Cambria Math" panose="02040503050406030204" pitchFamily="18" charset="0"/>
-                            </a:rPr>
-                            <m:t>_</m:t>
-                          </m:r>
-                          <m:r>
-                            <a:rPr lang="en-US" b="0" i="1" smtClean="0">
-                              <a:solidFill>
-                                <a:srgbClr val="404040"/>
-                              </a:solidFill>
-                              <a:latin typeface="Cambria Math" panose="02040503050406030204" pitchFamily="18" charset="0"/>
-                            </a:rPr>
-                            <m:t>𝑖</m:t>
-                          </m:r>
+                          <m:sSub>
+                            <m:sSubPr>
+                              <m:ctrlPr>
+                                <a:rPr lang="en-US" b="0" i="1" smtClean="0">
+                                  <a:solidFill>
+                                    <a:srgbClr val="404040"/>
+                                  </a:solidFill>
+                                  <a:latin typeface="Cambria Math" panose="02040503050406030204" pitchFamily="18" charset="0"/>
+                                </a:rPr>
+                              </m:ctrlPr>
+                            </m:sSubPr>
+                            <m:e>
+                              <m:r>
+                                <a:rPr lang="en-US" b="0" i="1" smtClean="0">
+                                  <a:solidFill>
+                                    <a:srgbClr val="404040"/>
+                                  </a:solidFill>
+                                  <a:latin typeface="Cambria Math" panose="02040503050406030204" pitchFamily="18" charset="0"/>
+                                </a:rPr>
+                                <m:t>𝑥</m:t>
+                              </m:r>
+                            </m:e>
+                            <m:sub>
+                              <m:r>
+                                <a:rPr lang="en-US" b="0" i="1" smtClean="0">
+                                  <a:solidFill>
+                                    <a:srgbClr val="404040"/>
+                                  </a:solidFill>
+                                  <a:latin typeface="Cambria Math" panose="02040503050406030204" pitchFamily="18" charset="0"/>
+                                </a:rPr>
+                                <m:t>𝑖</m:t>
+                              </m:r>
+                            </m:sub>
+                          </m:sSub>
                         </m:e>
                       </m:nary>
                     </m:oMath>
